--- a/Presentación.pptx
+++ b/Presentación.pptx
@@ -127,12 +127,65 @@
 <file path=ppt/revisionInfo.xml><?xml version="1.0" encoding="utf-8"?>
 <p1510:revInfo xmlns:a="http://schemas.openxmlformats.org/drawingml/2006/main" xmlns:r="http://schemas.openxmlformats.org/officeDocument/2006/relationships" xmlns:p1510="http://schemas.microsoft.com/office/powerpoint/2015/10/main">
   <p1510:revLst>
+    <p1510:client id="{2E9158C2-F0AB-463A-9508-A526517958A0}" v="1" dt="2024-10-17T19:52:05.225"/>
     <p1510:client id="{3BBD3B2B-B1CC-3A7C-8781-40F4BA5EADAD}" v="199" dt="2024-10-17T19:17:53.859"/>
     <p1510:client id="{4494BC9D-C753-F122-97E2-53B6274F83CA}" v="92" dt="2024-10-17T13:28:06.341"/>
     <p1510:client id="{6D46BA51-9192-BB1F-8204-C253987AAC08}" v="546" dt="2024-10-17T19:40:20.095"/>
     <p1510:client id="{AC93E10B-C7DD-52FB-A9FB-A5B3A454E434}" v="3" dt="2024-10-17T13:12:02.368"/>
   </p1510:revLst>
 </p1510:revInfo>
+</file>
+
+<file path=ppt/changesInfos/changesInfo1.xml><?xml version="1.0" encoding="utf-8"?>
+<pc:chgInfo xmlns:a="http://schemas.openxmlformats.org/drawingml/2006/main" xmlns:r="http://schemas.openxmlformats.org/officeDocument/2006/relationships" xmlns:ac="http://schemas.microsoft.com/office/drawing/2013/main/command" xmlns:pc="http://schemas.microsoft.com/office/powerpoint/2013/main/command">
+  <pc:docChgLst>
+    <pc:chgData name="Sergio Iglesias Varela" userId="ba63c7eb8dffef73" providerId="LiveId" clId="{2E9158C2-F0AB-463A-9508-A526517958A0}"/>
+    <pc:docChg chg="modSld">
+      <pc:chgData name="Sergio Iglesias Varela" userId="ba63c7eb8dffef73" providerId="LiveId" clId="{2E9158C2-F0AB-463A-9508-A526517958A0}" dt="2024-10-17T19:56:09.402" v="9" actId="115"/>
+      <pc:docMkLst>
+        <pc:docMk/>
+      </pc:docMkLst>
+      <pc:sldChg chg="modSp mod modTransition">
+        <pc:chgData name="Sergio Iglesias Varela" userId="ba63c7eb8dffef73" providerId="LiveId" clId="{2E9158C2-F0AB-463A-9508-A526517958A0}" dt="2024-10-17T19:53:31.339" v="6" actId="1076"/>
+        <pc:sldMkLst>
+          <pc:docMk/>
+          <pc:sldMk cId="2406273178" sldId="256"/>
+        </pc:sldMkLst>
+        <pc:spChg chg="mod">
+          <ac:chgData name="Sergio Iglesias Varela" userId="ba63c7eb8dffef73" providerId="LiveId" clId="{2E9158C2-F0AB-463A-9508-A526517958A0}" dt="2024-10-17T19:53:29.949" v="5" actId="20577"/>
+          <ac:spMkLst>
+            <pc:docMk/>
+            <pc:sldMk cId="2406273178" sldId="256"/>
+            <ac:spMk id="3" creationId="{00000000-0000-0000-0000-000000000000}"/>
+          </ac:spMkLst>
+        </pc:spChg>
+        <pc:picChg chg="mod">
+          <ac:chgData name="Sergio Iglesias Varela" userId="ba63c7eb8dffef73" providerId="LiveId" clId="{2E9158C2-F0AB-463A-9508-A526517958A0}" dt="2024-10-17T19:53:31.339" v="6" actId="1076"/>
+          <ac:picMkLst>
+            <pc:docMk/>
+            <pc:sldMk cId="2406273178" sldId="256"/>
+            <ac:picMk id="4" creationId="{3A00CA00-CAC6-40BE-2646-E85C3505F786}"/>
+          </ac:picMkLst>
+        </pc:picChg>
+      </pc:sldChg>
+      <pc:sldChg chg="modSp mod">
+        <pc:chgData name="Sergio Iglesias Varela" userId="ba63c7eb8dffef73" providerId="LiveId" clId="{2E9158C2-F0AB-463A-9508-A526517958A0}" dt="2024-10-17T19:56:09.402" v="9" actId="115"/>
+        <pc:sldMkLst>
+          <pc:docMk/>
+          <pc:sldMk cId="325237884" sldId="258"/>
+        </pc:sldMkLst>
+        <pc:spChg chg="mod">
+          <ac:chgData name="Sergio Iglesias Varela" userId="ba63c7eb8dffef73" providerId="LiveId" clId="{2E9158C2-F0AB-463A-9508-A526517958A0}" dt="2024-10-17T19:56:09.402" v="9" actId="115"/>
+          <ac:spMkLst>
+            <pc:docMk/>
+            <pc:sldMk cId="325237884" sldId="258"/>
+            <ac:spMk id="3" creationId="{107F34A6-1192-134D-C8A6-D50893C4572A}"/>
+          </ac:spMkLst>
+        </pc:spChg>
+      </pc:sldChg>
+    </pc:docChg>
+  </pc:docChgLst>
+</pc:chgInfo>
 </file>
 
 <file path=ppt/slideLayouts/slideLayout1.xml><?xml version="1.0" encoding="utf-8"?>
@@ -3035,7 +3088,7 @@
         </p:blipFill>
         <p:spPr>
           <a:xfrm>
-            <a:off x="1589" y="-139170"/>
+            <a:off x="0" y="-140757"/>
             <a:ext cx="12188822" cy="6998757"/>
           </a:xfrm>
           <a:prstGeom prst="rect">
@@ -3071,17 +3124,17 @@
           <a:lstStyle/>
           <a:p>
             <a:r>
-              <a:rPr lang="es-ES" sz="4000" b="1">
+              <a:rPr lang="es-ES" sz="4000" b="1" dirty="0">
                 <a:solidFill>
                   <a:schemeClr val="bg1"/>
                 </a:solidFill>
                 <a:ea typeface="+mn-lt"/>
                 <a:cs typeface="+mn-lt"/>
               </a:rPr>
-              <a:t>Análisis Exploratorio de Datos (EDA)   </a:t>
-            </a:r>
-            <a:r>
-              <a:rPr lang="es-ES" sz="4000" b="1" err="1">
+              <a:t>Análisis Exploratorio de Datos (EDA)     </a:t>
+            </a:r>
+            <a:r>
+              <a:rPr lang="es-ES" sz="4000" b="1" dirty="0" err="1">
                 <a:solidFill>
                   <a:schemeClr val="bg1"/>
                 </a:solidFill>
@@ -3091,7 +3144,7 @@
               <a:t>Titanic</a:t>
             </a:r>
             <a:r>
-              <a:rPr lang="es-ES" sz="4000" b="1">
+              <a:rPr lang="es-ES" sz="4000" b="1" dirty="0">
                 <a:solidFill>
                   <a:schemeClr val="bg1"/>
                 </a:solidFill>
@@ -3100,7 +3153,7 @@
               </a:rPr>
               <a:t>: Descubriendo Patrones de Supervivencia</a:t>
             </a:r>
-            <a:endParaRPr lang="es-ES" sz="4000">
+            <a:endParaRPr lang="es-ES" sz="4000" dirty="0">
               <a:solidFill>
                 <a:schemeClr val="bg1"/>
               </a:solidFill>
@@ -3118,6 +3171,18 @@
   <p:clrMapOvr>
     <a:masterClrMapping/>
   </p:clrMapOvr>
+  <mc:AlternateContent xmlns:mc="http://schemas.openxmlformats.org/markup-compatibility/2006">
+    <mc:Choice xmlns:p14="http://schemas.microsoft.com/office/powerpoint/2010/main" Requires="p14">
+      <p:transition spd="med" p14:dur="700">
+        <p:fade/>
+      </p:transition>
+    </mc:Choice>
+    <mc:Fallback>
+      <p:transition spd="med">
+        <p:fade/>
+      </p:transition>
+    </mc:Fallback>
+  </mc:AlternateContent>
 </p:sld>
 </file>
 
@@ -3902,7 +3967,7 @@
               </a:rPr>
               <a:t>Desarrollo del Modelo KNN</a:t>
             </a:r>
-            <a:endParaRPr lang="es-ES" sz="2400"/>
+            <a:endParaRPr lang="es-ES" sz="2400" dirty="0"/>
           </a:p>
           <a:p>
             <a:r>
@@ -3913,7 +3978,27 @@
                 <a:ea typeface="+mn-lt"/>
                 <a:cs typeface="+mn-lt"/>
               </a:rPr>
-              <a:t>Lo más importante y determinante ha sido desarrollar nuestro modelo KNN para completar los valores nulos, mejorando significativamente la precisión y calidad de nuestros datos.</a:t>
+              <a:t>Lo más importante y determinante ha sido desarrollar nuestro modelo KNN  para completar los valores nulos, mejorando significativamente la precisión </a:t>
+            </a:r>
+            <a:r>
+              <a:rPr lang="es-ES" sz="2400" u="sng" dirty="0" err="1">
+                <a:solidFill>
+                  <a:srgbClr val="282523"/>
+                </a:solidFill>
+                <a:ea typeface="+mn-lt"/>
+                <a:cs typeface="+mn-lt"/>
+              </a:rPr>
+              <a:t>ycalidad</a:t>
+            </a:r>
+            <a:r>
+              <a:rPr lang="es-ES" sz="2400" dirty="0">
+                <a:solidFill>
+                  <a:srgbClr val="282523"/>
+                </a:solidFill>
+                <a:ea typeface="+mn-lt"/>
+                <a:cs typeface="+mn-lt"/>
+              </a:rPr>
+              <a:t> de nuestros datos.</a:t>
             </a:r>
           </a:p>
           <a:p>
